--- a/Rapport du Projet GEM S5.pptx
+++ b/Rapport du Projet GEM S5.pptx
@@ -5,7 +5,7 @@
     <p:sldMasterId id="2147483669" r:id="rId1"/>
   </p:sldMasterIdLst>
   <p:notesMasterIdLst>
-    <p:notesMasterId r:id="rId13"/>
+    <p:notesMasterId r:id="rId14"/>
   </p:notesMasterIdLst>
   <p:sldIdLst>
     <p:sldId id="256" r:id="rId2"/>
@@ -18,7 +18,8 @@
     <p:sldId id="263" r:id="rId9"/>
     <p:sldId id="264" r:id="rId10"/>
     <p:sldId id="265" r:id="rId11"/>
-    <p:sldId id="267" r:id="rId12"/>
+    <p:sldId id="269" r:id="rId12"/>
+    <p:sldId id="267" r:id="rId13"/>
   </p:sldIdLst>
   <p:sldSz cx="12192000" cy="6858000"/>
   <p:notesSz cx="6858000" cy="9144000"/>
@@ -207,7 +208,7 @@
           <a:p>
             <a:fld id="{A51010C5-D52F-463B-907A-A0185A5FC1DE}" type="datetimeFigureOut">
               <a:rPr lang="en-US" smtClean="0"/>
-              <a:t>2/9/2024</a:t>
+              <a:t>2/12/2024</a:t>
             </a:fld>
             <a:endParaRPr lang="en-US"/>
           </a:p>
@@ -1281,7 +1282,7 @@
           <a:p>
             <a:fld id="{C25E9E16-2652-4B3A-A1F2-FFCE66E6192E}" type="datetime1">
               <a:rPr lang="en-US" smtClean="0"/>
-              <a:t>2/9/2024</a:t>
+              <a:t>2/12/2024</a:t>
             </a:fld>
             <a:endParaRPr lang="en-US" dirty="0"/>
           </a:p>
@@ -1537,7 +1538,7 @@
           <a:p>
             <a:fld id="{26D78BBE-8662-497D-BEAA-D4227DCC1429}" type="datetime1">
               <a:rPr lang="en-US" smtClean="0"/>
-              <a:t>2/9/2024</a:t>
+              <a:t>2/12/2024</a:t>
             </a:fld>
             <a:endParaRPr lang="en-US" dirty="0"/>
           </a:p>
@@ -1856,7 +1857,7 @@
           <a:p>
             <a:fld id="{10EE48C9-12FE-4BBB-9424-5C28D4765555}" type="datetime1">
               <a:rPr lang="en-US" smtClean="0"/>
-              <a:t>2/9/2024</a:t>
+              <a:t>2/12/2024</a:t>
             </a:fld>
             <a:endParaRPr lang="en-US" dirty="0"/>
           </a:p>
@@ -2202,7 +2203,7 @@
           <a:p>
             <a:fld id="{183D8459-EF67-4363-9AD1-B5E06CEF1FDC}" type="datetime1">
               <a:rPr lang="en-US" smtClean="0"/>
-              <a:t>2/9/2024</a:t>
+              <a:t>2/12/2024</a:t>
             </a:fld>
             <a:endParaRPr lang="en-US" dirty="0"/>
           </a:p>
@@ -2521,7 +2522,7 @@
           <a:p>
             <a:fld id="{7B9091C3-6B88-4214-8A09-B7E506D80F2D}" type="datetime1">
               <a:rPr lang="en-US" smtClean="0"/>
-              <a:t>2/9/2024</a:t>
+              <a:t>2/12/2024</a:t>
             </a:fld>
             <a:endParaRPr lang="en-US" dirty="0"/>
           </a:p>
@@ -2919,7 +2920,7 @@
           <a:p>
             <a:fld id="{BD038A3D-9684-4E46-B67C-A9E79D63E4B3}" type="datetime1">
               <a:rPr lang="en-US" smtClean="0"/>
-              <a:t>2/9/2024</a:t>
+              <a:t>2/12/2024</a:t>
             </a:fld>
             <a:endParaRPr lang="en-US" dirty="0"/>
           </a:p>
@@ -3094,7 +3095,7 @@
           <a:p>
             <a:fld id="{BE8FC39D-C78C-417C-AAD5-E244FB61BAE8}" type="datetime1">
               <a:rPr lang="en-US" smtClean="0"/>
-              <a:t>2/9/2024</a:t>
+              <a:t>2/12/2024</a:t>
             </a:fld>
             <a:endParaRPr lang="en-US" dirty="0"/>
           </a:p>
@@ -3278,7 +3279,7 @@
           <a:p>
             <a:fld id="{66A338DE-1C36-41EF-83B1-3243897A0BE0}" type="datetime1">
               <a:rPr lang="en-US" smtClean="0"/>
-              <a:t>2/9/2024</a:t>
+              <a:t>2/12/2024</a:t>
             </a:fld>
             <a:endParaRPr lang="en-US" dirty="0"/>
           </a:p>
@@ -3459,7 +3460,7 @@
           <a:p>
             <a:fld id="{625CF971-B915-40AC-924F-A00685AC0900}" type="datetime1">
               <a:rPr lang="en-US" smtClean="0"/>
-              <a:t>2/9/2024</a:t>
+              <a:t>2/12/2024</a:t>
             </a:fld>
             <a:endParaRPr lang="en-US" dirty="0"/>
           </a:p>
@@ -3710,7 +3711,7 @@
           <a:p>
             <a:fld id="{92375E42-9800-43B7-A91F-CAD9316A65C2}" type="datetime1">
               <a:rPr lang="en-US" smtClean="0"/>
-              <a:t>2/9/2024</a:t>
+              <a:t>2/12/2024</a:t>
             </a:fld>
             <a:endParaRPr lang="en-US" dirty="0"/>
           </a:p>
@@ -3947,7 +3948,7 @@
           <a:p>
             <a:fld id="{6EF5D5DC-C5DE-4AD7-B1D2-28878AC6CAF7}" type="datetime1">
               <a:rPr lang="en-US" smtClean="0"/>
-              <a:t>2/9/2024</a:t>
+              <a:t>2/12/2024</a:t>
             </a:fld>
             <a:endParaRPr lang="en-US" dirty="0"/>
           </a:p>
@@ -4325,7 +4326,7 @@
           <a:p>
             <a:fld id="{8401DB22-CC21-4969-AB20-3E10E5290E37}" type="datetime1">
               <a:rPr lang="en-US" smtClean="0"/>
-              <a:t>2/9/2024</a:t>
+              <a:t>2/12/2024</a:t>
             </a:fld>
             <a:endParaRPr lang="en-US" dirty="0"/>
           </a:p>
@@ -4453,7 +4454,7 @@
           <a:p>
             <a:fld id="{4445295C-7257-492A-839C-D9E263249B14}" type="datetime1">
               <a:rPr lang="en-US" smtClean="0"/>
-              <a:t>2/9/2024</a:t>
+              <a:t>2/12/2024</a:t>
             </a:fld>
             <a:endParaRPr lang="en-US" dirty="0"/>
           </a:p>
@@ -4553,7 +4554,7 @@
           <a:p>
             <a:fld id="{44F0445B-391D-4C69-B28B-600C85C65FA8}" type="datetime1">
               <a:rPr lang="en-US" smtClean="0"/>
-              <a:t>2/9/2024</a:t>
+              <a:t>2/12/2024</a:t>
             </a:fld>
             <a:endParaRPr lang="en-US" dirty="0"/>
           </a:p>
@@ -4813,7 +4814,7 @@
           <a:p>
             <a:fld id="{1503F0BB-C252-4029-8A9C-C38F8F0CBD9A}" type="datetime1">
               <a:rPr lang="en-US" smtClean="0"/>
-              <a:t>2/9/2024</a:t>
+              <a:t>2/12/2024</a:t>
             </a:fld>
             <a:endParaRPr lang="en-US" dirty="0"/>
           </a:p>
@@ -5080,7 +5081,7 @@
           <a:p>
             <a:fld id="{B71F7BF0-5E4B-486C-B577-31A988F8B995}" type="datetime1">
               <a:rPr lang="en-US" smtClean="0"/>
-              <a:t>2/9/2024</a:t>
+              <a:t>2/12/2024</a:t>
             </a:fld>
             <a:endParaRPr lang="en-US" dirty="0"/>
           </a:p>
@@ -5828,7 +5829,7 @@
           <a:p>
             <a:fld id="{366E483B-B6E1-4C77-9F22-4440B4F41CD4}" type="datetime1">
               <a:rPr lang="en-US" smtClean="0"/>
-              <a:t>2/9/2024</a:t>
+              <a:t>2/12/2024</a:t>
             </a:fld>
             <a:endParaRPr lang="en-US" dirty="0"/>
           </a:p>
@@ -6370,10 +6371,17 @@
         </p:nvSpPr>
         <p:spPr>
           <a:xfrm>
-            <a:off x="2441411" y="3046282"/>
-            <a:ext cx="6139543" cy="876562"/>
+            <a:off x="1724297" y="3235554"/>
+            <a:ext cx="6557554" cy="876562"/>
           </a:xfrm>
-          <a:ln/>
+          <a:solidFill>
+            <a:schemeClr val="bg1"/>
+          </a:solidFill>
+          <a:ln>
+            <a:solidFill>
+              <a:schemeClr val="bg1"/>
+            </a:solidFill>
+          </a:ln>
         </p:spPr>
         <p:style>
           <a:lnRef idx="2">
@@ -6395,43 +6403,45 @@
           <a:p>
             <a:pPr algn="ctr"/>
             <a:r>
-              <a:rPr lang="fr-FR" sz="2800" b="1" i="1" u="sng" dirty="0" smtClean="0">
-                <a:solidFill>
-                  <a:srgbClr val="002060"/>
-                </a:solidFill>
-                <a:latin typeface="Comic Sans MS" panose="030F0702030302020204" pitchFamily="66" charset="0"/>
+              <a:rPr lang="fr-FR" sz="3600" i="1" u="sng" dirty="0" smtClean="0">
+                <a:solidFill>
+                  <a:schemeClr val="accent4"/>
+                </a:solidFill>
+                <a:latin typeface="Bell MT" panose="02020503060305020303" pitchFamily="18" charset="0"/>
               </a:rPr>
               <a:t/>
             </a:r>
             <a:br>
-              <a:rPr lang="fr-FR" sz="2800" b="1" i="1" u="sng" dirty="0" smtClean="0">
-                <a:solidFill>
-                  <a:srgbClr val="002060"/>
-                </a:solidFill>
-                <a:latin typeface="Comic Sans MS" panose="030F0702030302020204" pitchFamily="66" charset="0"/>
+              <a:rPr lang="fr-FR" sz="3600" i="1" u="sng" dirty="0" smtClean="0">
+                <a:solidFill>
+                  <a:schemeClr val="accent4"/>
+                </a:solidFill>
+                <a:latin typeface="Bell MT" panose="02020503060305020303" pitchFamily="18" charset="0"/>
               </a:rPr>
             </a:br>
             <a:r>
-              <a:rPr lang="fr-FR" sz="2800" i="1" u="sng" dirty="0" smtClean="0">
-                <a:solidFill>
-                  <a:srgbClr val="002060"/>
-                </a:solidFill>
+              <a:rPr lang="fr-FR" sz="3600" i="1" u="sng" dirty="0" smtClean="0">
+                <a:solidFill>
+                  <a:schemeClr val="accent4"/>
+                </a:solidFill>
+                <a:latin typeface="Bell MT" panose="02020503060305020303" pitchFamily="18" charset="0"/>
               </a:rPr>
               <a:t>Arduino: </a:t>
             </a:r>
             <a:r>
-              <a:rPr lang="fr-FR" sz="2800" i="1" u="sng" dirty="0">
-                <a:solidFill>
-                  <a:srgbClr val="002060"/>
-                </a:solidFill>
+              <a:rPr lang="fr-FR" sz="3600" i="1" u="sng" dirty="0">
+                <a:solidFill>
+                  <a:schemeClr val="accent4"/>
+                </a:solidFill>
+                <a:latin typeface="Bell MT" panose="02020503060305020303" pitchFamily="18" charset="0"/>
               </a:rPr>
               <a:t>Mesure de Distance et Surveillance de Température</a:t>
             </a:r>
-            <a:endParaRPr lang="en-US" sz="2800" b="1" i="1" u="sng" dirty="0">
+            <a:endParaRPr lang="en-US" sz="3600" i="1" u="sng" dirty="0">
               <a:solidFill>
-                <a:srgbClr val="002060"/>
+                <a:schemeClr val="accent4"/>
               </a:solidFill>
-              <a:latin typeface="Comic Sans MS" panose="030F0702030302020204" pitchFamily="66" charset="0"/>
+              <a:latin typeface="Bell MT" panose="02020503060305020303" pitchFamily="18" charset="0"/>
             </a:endParaRPr>
           </a:p>
         </p:txBody>
@@ -6448,7 +6458,7 @@
         </p:nvSpPr>
         <p:spPr>
           <a:xfrm>
-            <a:off x="671043" y="4784614"/>
+            <a:off x="721005" y="4654457"/>
             <a:ext cx="3540737" cy="942110"/>
           </a:xfrm>
         </p:spPr>
@@ -6462,9 +6472,7 @@
             <a:r>
               <a:rPr lang="fr-FR" b="1" u="sng" dirty="0" err="1" smtClean="0">
                 <a:solidFill>
-                  <a:schemeClr val="accent2">
-                    <a:lumMod val="50000"/>
-                  </a:schemeClr>
+                  <a:schemeClr val="tx1"/>
                 </a:solidFill>
                 <a:latin typeface="Comic Sans MS" panose="030F0702030302020204" pitchFamily="66" charset="0"/>
               </a:rPr>
@@ -6473,9 +6481,7 @@
             <a:r>
               <a:rPr lang="fr-FR" b="1" u="sng" dirty="0" smtClean="0">
                 <a:solidFill>
-                  <a:schemeClr val="accent2">
-                    <a:lumMod val="50000"/>
-                  </a:schemeClr>
+                  <a:schemeClr val="tx1"/>
                 </a:solidFill>
                 <a:latin typeface="Comic Sans MS" panose="030F0702030302020204" pitchFamily="66" charset="0"/>
               </a:rPr>
@@ -6487,9 +6493,7 @@
             <a:r>
               <a:rPr lang="fr-FR" b="1" dirty="0" smtClean="0">
                 <a:solidFill>
-                  <a:schemeClr val="accent2">
-                    <a:lumMod val="50000"/>
-                  </a:schemeClr>
+                  <a:schemeClr val="tx1"/>
                 </a:solidFill>
                 <a:latin typeface="Comic Sans MS" panose="030F0702030302020204" pitchFamily="66" charset="0"/>
               </a:rPr>
@@ -6501,74 +6505,27 @@
             <a:r>
               <a:rPr lang="fr-FR" b="1" dirty="0" smtClean="0">
                 <a:solidFill>
-                  <a:schemeClr val="accent2">
-                    <a:lumMod val="50000"/>
-                  </a:schemeClr>
-                </a:solidFill>
-                <a:latin typeface="Comic Sans MS" panose="030F0702030302020204" pitchFamily="66" charset="0"/>
-              </a:rPr>
-              <a:t>El Bechir </a:t>
-            </a:r>
+                  <a:schemeClr val="tx1"/>
+                </a:solidFill>
+                <a:latin typeface="Comic Sans MS" panose="030F0702030302020204" pitchFamily="66" charset="0"/>
+              </a:rPr>
+              <a:t>El Bechir Sidi Sidiya</a:t>
+            </a:r>
+          </a:p>
+          <a:p>
+            <a:pPr algn="l"/>
             <a:r>
               <a:rPr lang="fr-FR" b="1" dirty="0" smtClean="0">
                 <a:solidFill>
-                  <a:schemeClr val="accent2">
-                    <a:lumMod val="50000"/>
-                  </a:schemeClr>
-                </a:solidFill>
-                <a:latin typeface="Comic Sans MS" panose="030F0702030302020204" pitchFamily="66" charset="0"/>
-              </a:rPr>
-              <a:t>Sidi </a:t>
-            </a:r>
-            <a:r>
-              <a:rPr lang="fr-FR" b="1" dirty="0" err="1" smtClean="0">
-                <a:solidFill>
-                  <a:schemeClr val="accent2">
-                    <a:lumMod val="50000"/>
-                  </a:schemeClr>
-                </a:solidFill>
-                <a:latin typeface="Comic Sans MS" panose="030F0702030302020204" pitchFamily="66" charset="0"/>
-              </a:rPr>
-              <a:t>Sidiya</a:t>
-            </a:r>
-            <a:endParaRPr lang="fr-FR" b="1" dirty="0" smtClean="0">
-              <a:solidFill>
-                <a:schemeClr val="accent2">
-                  <a:lumMod val="50000"/>
-                </a:schemeClr>
-              </a:solidFill>
-              <a:latin typeface="Comic Sans MS" panose="030F0702030302020204" pitchFamily="66" charset="0"/>
-            </a:endParaRPr>
-          </a:p>
-          <a:p>
-            <a:pPr algn="l"/>
-            <a:r>
-              <a:rPr lang="fr-FR" b="1" dirty="0" smtClean="0">
-                <a:solidFill>
-                  <a:schemeClr val="accent2">
-                    <a:lumMod val="50000"/>
-                  </a:schemeClr>
-                </a:solidFill>
-                <a:latin typeface="Comic Sans MS" panose="030F0702030302020204" pitchFamily="66" charset="0"/>
-              </a:rPr>
-              <a:t>Sékina </a:t>
-            </a:r>
-            <a:r>
-              <a:rPr lang="fr-FR" b="1" dirty="0" smtClean="0">
-                <a:solidFill>
-                  <a:schemeClr val="accent2">
-                    <a:lumMod val="50000"/>
-                  </a:schemeClr>
-                </a:solidFill>
-                <a:latin typeface="Comic Sans MS" panose="030F0702030302020204" pitchFamily="66" charset="0"/>
-              </a:rPr>
-              <a:t>Ethmane S’Id</a:t>
+                  <a:schemeClr val="tx1"/>
+                </a:solidFill>
+                <a:latin typeface="Comic Sans MS" panose="030F0702030302020204" pitchFamily="66" charset="0"/>
+              </a:rPr>
+              <a:t>Sékina Ethmane S’Id</a:t>
             </a:r>
             <a:endParaRPr lang="en-US" b="1" dirty="0">
               <a:solidFill>
-                <a:schemeClr val="accent2">
-                  <a:lumMod val="50000"/>
-                </a:schemeClr>
+                <a:schemeClr val="tx1"/>
               </a:solidFill>
               <a:latin typeface="Comic Sans MS" panose="030F0702030302020204" pitchFamily="66" charset="0"/>
             </a:endParaRPr>
@@ -6591,7 +6548,7 @@
         </p:blipFill>
         <p:spPr>
           <a:xfrm>
-            <a:off x="352697" y="757647"/>
+            <a:off x="467973" y="672848"/>
             <a:ext cx="6021977" cy="1629858"/>
           </a:xfrm>
           <a:prstGeom prst="rect">
@@ -6607,8 +6564,8 @@
         </p:nvSpPr>
         <p:spPr>
           <a:xfrm>
-            <a:off x="812799" y="757647"/>
-            <a:ext cx="6016061" cy="1938992"/>
+            <a:off x="721005" y="247059"/>
+            <a:ext cx="8998717" cy="2246769"/>
           </a:xfrm>
           <a:prstGeom prst="rect">
             <a:avLst/>
@@ -6628,6 +6585,7 @@
                   </a:schemeClr>
                 </a:solidFill>
                 <a:latin typeface="Comic Sans MS" panose="030F0702030302020204" pitchFamily="66" charset="0"/>
+                <a:cs typeface="Arial" panose="020B0604020202020204" pitchFamily="34" charset="0"/>
               </a:rPr>
               <a:t>République Islamique de Mauritanie</a:t>
             </a:r>
@@ -6641,8 +6599,9 @@
                   </a:schemeClr>
                 </a:solidFill>
                 <a:latin typeface="Comic Sans MS" panose="030F0702030302020204" pitchFamily="66" charset="0"/>
-              </a:rPr>
-              <a:t>Ministre ****</a:t>
+                <a:cs typeface="Arial" panose="020B0604020202020204" pitchFamily="34" charset="0"/>
+              </a:rPr>
+              <a:t>Ministre de l’enseignement Supérieur et de la recherche Scientifique.</a:t>
             </a:r>
           </a:p>
           <a:p>
@@ -6654,6 +6613,7 @@
                   </a:schemeClr>
                 </a:solidFill>
                 <a:latin typeface="Comic Sans MS" panose="030F0702030302020204" pitchFamily="66" charset="0"/>
+                <a:cs typeface="Arial" panose="020B0604020202020204" pitchFamily="34" charset="0"/>
               </a:rPr>
               <a:t>Institut Supérieur </a:t>
             </a:r>
@@ -6665,6 +6625,7 @@
                   </a:schemeClr>
                 </a:solidFill>
                 <a:latin typeface="Comic Sans MS" panose="030F0702030302020204" pitchFamily="66" charset="0"/>
+                <a:cs typeface="Arial" panose="020B0604020202020204" pitchFamily="34" charset="0"/>
               </a:rPr>
               <a:t>de l’enseignement </a:t>
             </a:r>
@@ -6676,8 +6637,44 @@
                   </a:schemeClr>
                 </a:solidFill>
                 <a:latin typeface="Comic Sans MS" panose="030F0702030302020204" pitchFamily="66" charset="0"/>
+                <a:cs typeface="Arial" panose="020B0604020202020204" pitchFamily="34" charset="0"/>
               </a:rPr>
               <a:t>Technologique de Rosso</a:t>
+            </a:r>
+          </a:p>
+          <a:p>
+            <a:endParaRPr lang="fr-FR" sz="2000" b="1" dirty="0">
+              <a:solidFill>
+                <a:schemeClr val="bg2">
+                  <a:lumMod val="10000"/>
+                </a:schemeClr>
+              </a:solidFill>
+              <a:latin typeface="Comic Sans MS" panose="030F0702030302020204" pitchFamily="66" charset="0"/>
+              <a:cs typeface="Arial" panose="020B0604020202020204" pitchFamily="34" charset="0"/>
+            </a:endParaRPr>
+          </a:p>
+          <a:p>
+            <a:endParaRPr lang="fr-FR" sz="2000" b="1" dirty="0">
+              <a:solidFill>
+                <a:schemeClr val="bg2">
+                  <a:lumMod val="10000"/>
+                </a:schemeClr>
+              </a:solidFill>
+              <a:latin typeface="Comic Sans MS" panose="030F0702030302020204" pitchFamily="66" charset="0"/>
+              <a:cs typeface="Arial" panose="020B0604020202020204" pitchFamily="34" charset="0"/>
+            </a:endParaRPr>
+          </a:p>
+          <a:p>
+            <a:r>
+              <a:rPr lang="fr-FR" sz="2000" b="1" dirty="0" smtClean="0">
+                <a:solidFill>
+                  <a:schemeClr val="bg2">
+                    <a:lumMod val="10000"/>
+                  </a:schemeClr>
+                </a:solidFill>
+                <a:latin typeface="Comic Sans MS" panose="030F0702030302020204" pitchFamily="66" charset="0"/>
+              </a:rPr>
+              <a:t>Département de GEM</a:t>
             </a:r>
             <a:endParaRPr lang="fr-FR" sz="2000" b="1" dirty="0">
               <a:solidFill>
@@ -6698,7 +6695,7 @@
                 </a:solidFill>
                 <a:latin typeface="Comic Sans MS" panose="030F0702030302020204" pitchFamily="66" charset="0"/>
               </a:rPr>
-              <a:t>Département de GEM</a:t>
+              <a:t>Projet S5</a:t>
             </a:r>
             <a:endParaRPr lang="fr-FR" sz="2000" b="1" dirty="0">
               <a:solidFill>
@@ -6709,27 +6706,6 @@
               <a:latin typeface="Comic Sans MS" panose="030F0702030302020204" pitchFamily="66" charset="0"/>
             </a:endParaRPr>
           </a:p>
-          <a:p>
-            <a:r>
-              <a:rPr lang="fr-FR" sz="2000" b="1" dirty="0" smtClean="0">
-                <a:solidFill>
-                  <a:schemeClr val="bg2">
-                    <a:lumMod val="10000"/>
-                  </a:schemeClr>
-                </a:solidFill>
-                <a:latin typeface="Comic Sans MS" panose="030F0702030302020204" pitchFamily="66" charset="0"/>
-              </a:rPr>
-              <a:t>Projet S5</a:t>
-            </a:r>
-            <a:endParaRPr lang="fr-FR" sz="2000" b="1" dirty="0">
-              <a:solidFill>
-                <a:schemeClr val="bg2">
-                  <a:lumMod val="10000"/>
-                </a:schemeClr>
-              </a:solidFill>
-              <a:latin typeface="Comic Sans MS" panose="030F0702030302020204" pitchFamily="66" charset="0"/>
-            </a:endParaRPr>
-          </a:p>
         </p:txBody>
       </p:sp>
       <p:pic>
@@ -6740,7 +6716,7 @@
           </p:cNvPicPr>
           <p:nvPr/>
         </p:nvPicPr>
-        <p:blipFill>
+        <p:blipFill rotWithShape="1">
           <a:blip r:embed="rId3">
             <a:extLst>
               <a:ext uri="{28A0092B-C50C-407E-A947-70E740481C1C}">
@@ -6748,14 +6724,13 @@
               </a:ext>
             </a:extLst>
           </a:blip>
-          <a:stretch>
-            <a:fillRect/>
-          </a:stretch>
+          <a:srcRect l="7909" r="3942"/>
+          <a:stretch/>
         </p:blipFill>
         <p:spPr>
           <a:xfrm>
-            <a:off x="6920301" y="481168"/>
-            <a:ext cx="2573383" cy="1754032"/>
+            <a:off x="7601029" y="1179907"/>
+            <a:ext cx="1959850" cy="1754032"/>
           </a:xfrm>
           <a:prstGeom prst="rect">
             <a:avLst/>
@@ -6770,7 +6745,7 @@
         </p:nvSpPr>
         <p:spPr>
           <a:xfrm>
-            <a:off x="7920006" y="4581621"/>
+            <a:off x="8442520" y="4525347"/>
             <a:ext cx="4271994" cy="1200329"/>
           </a:xfrm>
           <a:prstGeom prst="rect">
@@ -6785,11 +6760,6 @@
           <a:p>
             <a:r>
               <a:rPr lang="fr-FR" b="1" u="sng" dirty="0" smtClean="0">
-                <a:solidFill>
-                  <a:schemeClr val="accent2">
-                    <a:lumMod val="50000"/>
-                  </a:schemeClr>
-                </a:solidFill>
                 <a:latin typeface="Comic Sans MS" panose="030F0702030302020204" pitchFamily="66" charset="0"/>
               </a:rPr>
               <a:t>Encadré par:</a:t>
@@ -6797,56 +6767,19 @@
           </a:p>
           <a:p>
             <a:endParaRPr lang="fr-FR" b="1" dirty="0" smtClean="0">
-              <a:solidFill>
-                <a:schemeClr val="accent2">
-                  <a:lumMod val="50000"/>
-                </a:schemeClr>
-              </a:solidFill>
               <a:latin typeface="Comic Sans MS" panose="030F0702030302020204" pitchFamily="66" charset="0"/>
             </a:endParaRPr>
           </a:p>
           <a:p>
             <a:r>
               <a:rPr lang="fr-FR" b="1" dirty="0" smtClean="0">
-                <a:solidFill>
-                  <a:schemeClr val="accent2">
-                    <a:lumMod val="50000"/>
-                  </a:schemeClr>
-                </a:solidFill>
-                <a:latin typeface="Comic Sans MS" panose="030F0702030302020204" pitchFamily="66" charset="0"/>
-              </a:rPr>
-              <a:t>Dr. Né </a:t>
-            </a:r>
-            <a:r>
-              <a:rPr lang="fr-FR" b="1" dirty="0" err="1" smtClean="0">
-                <a:solidFill>
-                  <a:schemeClr val="accent2">
-                    <a:lumMod val="50000"/>
-                  </a:schemeClr>
-                </a:solidFill>
-                <a:latin typeface="Comic Sans MS" panose="030F0702030302020204" pitchFamily="66" charset="0"/>
-              </a:rPr>
-              <a:t>Dah</a:t>
-            </a:r>
-            <a:r>
-              <a:rPr lang="fr-FR" b="1" dirty="0" smtClean="0">
-                <a:solidFill>
-                  <a:schemeClr val="accent2">
-                    <a:lumMod val="50000"/>
-                  </a:schemeClr>
-                </a:solidFill>
-                <a:latin typeface="Comic Sans MS" panose="030F0702030302020204" pitchFamily="66" charset="0"/>
-              </a:rPr>
-              <a:t> </a:t>
+                <a:latin typeface="Comic Sans MS" panose="030F0702030302020204" pitchFamily="66" charset="0"/>
+              </a:rPr>
+              <a:t>Dr. Né Dah </a:t>
             </a:r>
           </a:p>
           <a:p>
             <a:endParaRPr lang="fr-FR" b="1" dirty="0">
-              <a:solidFill>
-                <a:schemeClr val="accent2">
-                  <a:lumMod val="50000"/>
-                </a:schemeClr>
-              </a:solidFill>
               <a:latin typeface="Comic Sans MS" panose="030F0702030302020204" pitchFamily="66" charset="0"/>
             </a:endParaRPr>
           </a:p>
@@ -6957,7 +6890,7 @@
                 </a:solidFill>
                 <a:latin typeface="Comic Sans MS" panose="030F0702030302020204" pitchFamily="66" charset="0"/>
               </a:rPr>
-              <a:t>VII. Thermistor immergé:</a:t>
+              <a:t>VII. Thermostat:</a:t>
             </a:r>
             <a:endParaRPr lang="en-US" sz="2800" b="1" u="sng" dirty="0">
               <a:solidFill>
@@ -6991,7 +6924,176 @@
           <a:lstStyle/>
           <a:p>
             <a:pPr algn="l"/>
-            <a:endParaRPr lang="en-US" dirty="0">
+            <a:r>
+              <a:rPr lang="fr-FR" dirty="0" smtClean="0">
+                <a:solidFill>
+                  <a:schemeClr val="tx1"/>
+                </a:solidFill>
+                <a:latin typeface="Comic Sans MS" panose="030F0702030302020204" pitchFamily="66" charset="0"/>
+              </a:rPr>
+              <a:t>Le thermostat est un dispositif utilisé pour contrôler la température d’un système, généralement dans le but de maintenir cette température dans une plage prédéfinie. </a:t>
+            </a:r>
+          </a:p>
+          <a:p>
+            <a:pPr algn="l"/>
+            <a:r>
+              <a:rPr lang="fr-FR" dirty="0" smtClean="0">
+                <a:solidFill>
+                  <a:schemeClr val="tx1"/>
+                </a:solidFill>
+                <a:latin typeface="Comic Sans MS" panose="030F0702030302020204" pitchFamily="66" charset="0"/>
+              </a:rPr>
+              <a:t>Il est composé de deux éléments:</a:t>
+            </a:r>
+          </a:p>
+          <a:p>
+            <a:pPr marL="342900" indent="-342900" algn="l">
+              <a:buAutoNum type="arabicPeriod"/>
+            </a:pPr>
+            <a:r>
+              <a:rPr lang="fr-FR" b="1" dirty="0" smtClean="0">
+                <a:solidFill>
+                  <a:schemeClr val="tx1"/>
+                </a:solidFill>
+                <a:latin typeface="Comic Sans MS" panose="030F0702030302020204" pitchFamily="66" charset="0"/>
+              </a:rPr>
+              <a:t>Thermistor immergé:</a:t>
+            </a:r>
+          </a:p>
+          <a:p>
+            <a:pPr lvl="1" algn="l"/>
+            <a:r>
+              <a:rPr lang="fr-FR" dirty="0" smtClean="0">
+                <a:solidFill>
+                  <a:schemeClr val="tx1"/>
+                </a:solidFill>
+                <a:latin typeface="Comic Sans MS" panose="030F0702030302020204" pitchFamily="66" charset="0"/>
+              </a:rPr>
+              <a:t>Le thermistor est un type de capteur de température dont la résistance électrique change en fonction de température.</a:t>
+            </a:r>
+          </a:p>
+          <a:p>
+            <a:pPr lvl="1" algn="l"/>
+            <a:r>
+              <a:rPr lang="fr-FR" dirty="0" smtClean="0">
+                <a:solidFill>
+                  <a:schemeClr val="tx1"/>
+                </a:solidFill>
+                <a:latin typeface="Comic Sans MS" panose="030F0702030302020204" pitchFamily="66" charset="0"/>
+              </a:rPr>
+              <a:t>Le thermistor immergé est un thermistor placé à l’intérieur d’un matériau isolant et protégé par une enveloppe résistante à l’eau.</a:t>
+            </a:r>
+          </a:p>
+          <a:p>
+            <a:pPr lvl="1" algn="l"/>
+            <a:r>
+              <a:rPr lang="fr-FR" dirty="0" smtClean="0">
+                <a:solidFill>
+                  <a:schemeClr val="tx1"/>
+                </a:solidFill>
+                <a:latin typeface="Comic Sans MS" panose="030F0702030302020204" pitchFamily="66" charset="0"/>
+              </a:rPr>
+              <a:t>Il mesure la température des environnements humides ou liquides.</a:t>
+            </a:r>
+          </a:p>
+          <a:p>
+            <a:pPr lvl="1" algn="l"/>
+            <a:endParaRPr lang="fr-FR" dirty="0">
+              <a:solidFill>
+                <a:schemeClr val="tx1"/>
+              </a:solidFill>
+              <a:latin typeface="Comic Sans MS" panose="030F0702030302020204" pitchFamily="66" charset="0"/>
+            </a:endParaRPr>
+          </a:p>
+          <a:p>
+            <a:pPr marL="342900" indent="-342900" algn="l">
+              <a:buFont typeface="+mj-lt"/>
+              <a:buAutoNum type="arabicPeriod"/>
+            </a:pPr>
+            <a:r>
+              <a:rPr lang="fr-FR" b="1" dirty="0" smtClean="0">
+                <a:solidFill>
+                  <a:schemeClr val="tx1"/>
+                </a:solidFill>
+                <a:latin typeface="Comic Sans MS" panose="030F0702030302020204" pitchFamily="66" charset="0"/>
+              </a:rPr>
+              <a:t>Relais:</a:t>
+            </a:r>
+          </a:p>
+          <a:p>
+            <a:pPr lvl="1" algn="l"/>
+            <a:r>
+              <a:rPr lang="fr-FR" dirty="0" smtClean="0">
+                <a:solidFill>
+                  <a:schemeClr val="tx1"/>
+                </a:solidFill>
+                <a:latin typeface="Comic Sans MS" panose="030F0702030302020204" pitchFamily="66" charset="0"/>
+              </a:rPr>
+              <a:t>Le </a:t>
+            </a:r>
+            <a:r>
+              <a:rPr lang="fr-FR" dirty="0">
+                <a:solidFill>
+                  <a:schemeClr val="tx1"/>
+                </a:solidFill>
+                <a:latin typeface="Comic Sans MS" panose="030F0702030302020204" pitchFamily="66" charset="0"/>
+              </a:rPr>
+              <a:t>relais </a:t>
+            </a:r>
+            <a:r>
+              <a:rPr lang="fr-FR" dirty="0" smtClean="0">
+                <a:solidFill>
+                  <a:schemeClr val="tx1"/>
+                </a:solidFill>
+                <a:latin typeface="Comic Sans MS" panose="030F0702030302020204" pitchFamily="66" charset="0"/>
+              </a:rPr>
+              <a:t>est </a:t>
+            </a:r>
+            <a:r>
+              <a:rPr lang="fr-FR" dirty="0">
+                <a:solidFill>
+                  <a:schemeClr val="tx1"/>
+                </a:solidFill>
+                <a:latin typeface="Comic Sans MS" panose="030F0702030302020204" pitchFamily="66" charset="0"/>
+              </a:rPr>
+              <a:t>un dispositif électromécanique utiliser pour ouvrir ou fermer des circuits </a:t>
+            </a:r>
+            <a:r>
+              <a:rPr lang="fr-FR" dirty="0" smtClean="0">
+                <a:solidFill>
+                  <a:schemeClr val="tx1"/>
+                </a:solidFill>
+                <a:latin typeface="Comic Sans MS" panose="030F0702030302020204" pitchFamily="66" charset="0"/>
+              </a:rPr>
+              <a:t>électrique </a:t>
+            </a:r>
+            <a:r>
+              <a:rPr lang="fr-FR" dirty="0">
+                <a:solidFill>
+                  <a:schemeClr val="tx1"/>
+                </a:solidFill>
+                <a:latin typeface="Comic Sans MS" panose="030F0702030302020204" pitchFamily="66" charset="0"/>
+              </a:rPr>
+              <a:t>en fonction d’un signal électrique externe.</a:t>
+            </a:r>
+            <a:br>
+              <a:rPr lang="fr-FR" dirty="0">
+                <a:solidFill>
+                  <a:schemeClr val="tx1"/>
+                </a:solidFill>
+                <a:latin typeface="Comic Sans MS" panose="030F0702030302020204" pitchFamily="66" charset="0"/>
+              </a:rPr>
+            </a:br>
+            <a:r>
+              <a:rPr lang="fr-FR" dirty="0">
+                <a:solidFill>
+                  <a:schemeClr val="tx1"/>
+                </a:solidFill>
+                <a:latin typeface="Comic Sans MS" panose="030F0702030302020204" pitchFamily="66" charset="0"/>
+              </a:rPr>
+              <a:t>Il s’agit d’un interrupteur commandé électriquement.</a:t>
+            </a:r>
+            <a:endParaRPr lang="fr-FR" dirty="0" smtClean="0">
               <a:solidFill>
                 <a:schemeClr val="tx1"/>
               </a:solidFill>
@@ -7039,6 +7141,117 @@
       </p:grpSpPr>
       <p:sp>
         <p:nvSpPr>
+          <p:cNvPr id="3" name="Slide Number Placeholder 2"/>
+          <p:cNvSpPr>
+            <a:spLocks noGrp="1"/>
+          </p:cNvSpPr>
+          <p:nvPr>
+            <p:ph type="sldNum" sz="quarter" idx="12"/>
+          </p:nvPr>
+        </p:nvSpPr>
+        <p:spPr/>
+        <p:txBody>
+          <a:bodyPr/>
+          <a:lstStyle/>
+          <a:p>
+            <a:fld id="{D57F1E4F-1CFF-5643-939E-217C01CDF565}" type="slidenum">
+              <a:rPr lang="en-US" smtClean="0"/>
+              <a:pPr/>
+              <a:t>11</a:t>
+            </a:fld>
+            <a:endParaRPr lang="en-US" dirty="0"/>
+          </a:p>
+        </p:txBody>
+      </p:sp>
+      <p:sp>
+        <p:nvSpPr>
+          <p:cNvPr id="4" name="Subtitle 2"/>
+          <p:cNvSpPr>
+            <a:spLocks noGrp="1"/>
+          </p:cNvSpPr>
+          <p:nvPr>
+            <p:ph type="title"/>
+          </p:nvPr>
+        </p:nvSpPr>
+        <p:spPr>
+          <a:xfrm>
+            <a:off x="821026" y="4010297"/>
+            <a:ext cx="8596668" cy="2031065"/>
+          </a:xfrm>
+        </p:spPr>
+        <p:txBody>
+          <a:bodyPr>
+            <a:noAutofit/>
+          </a:bodyPr>
+          <a:lstStyle/>
+          <a:p>
+            <a:pPr algn="l"/>
+            <a:r>
+              <a:rPr lang="fr-FR" sz="1800" dirty="0" smtClean="0">
+                <a:solidFill>
+                  <a:schemeClr val="tx1"/>
+                </a:solidFill>
+                <a:latin typeface="Comic Sans MS" panose="030F0702030302020204" pitchFamily="66" charset="0"/>
+              </a:rPr>
+              <a:t>Dans notre projet, le relais est utilisé pour contrôler l’alimentation d’une pompe en fonction de la température de l’eau mesurée par le thermistor</a:t>
+            </a:r>
+            <a:r>
+              <a:rPr lang="fr-FR" sz="1800" dirty="0" smtClean="0">
+                <a:solidFill>
+                  <a:schemeClr val="tx1"/>
+                </a:solidFill>
+                <a:latin typeface="Comic Sans MS" panose="030F0702030302020204" pitchFamily="66" charset="0"/>
+              </a:rPr>
+              <a:t>.</a:t>
+            </a:r>
+            <a:endParaRPr lang="fr-FR" sz="1800" dirty="0" smtClean="0">
+              <a:solidFill>
+                <a:schemeClr val="tx1"/>
+              </a:solidFill>
+              <a:latin typeface="Comic Sans MS" panose="030F0702030302020204" pitchFamily="66" charset="0"/>
+            </a:endParaRPr>
+          </a:p>
+        </p:txBody>
+      </p:sp>
+    </p:spTree>
+    <p:extLst>
+      <p:ext uri="{BB962C8B-B14F-4D97-AF65-F5344CB8AC3E}">
+        <p14:creationId xmlns:p14="http://schemas.microsoft.com/office/powerpoint/2010/main" val="1930000184"/>
+      </p:ext>
+    </p:extLst>
+  </p:cSld>
+  <p:clrMapOvr>
+    <a:masterClrMapping/>
+  </p:clrMapOvr>
+  <p:timing>
+    <p:tnLst>
+      <p:par>
+        <p:cTn id="1" dur="indefinite" restart="never" nodeType="tmRoot"/>
+      </p:par>
+    </p:tnLst>
+  </p:timing>
+</p:sld>
+</file>
+
+<file path=ppt/slides/slide12.xml><?xml version="1.0" encoding="utf-8"?>
+<p:sld xmlns:a="http://schemas.openxmlformats.org/drawingml/2006/main" xmlns:r="http://schemas.openxmlformats.org/officeDocument/2006/relationships" xmlns:p="http://schemas.openxmlformats.org/presentationml/2006/main">
+  <p:cSld>
+    <p:spTree>
+      <p:nvGrpSpPr>
+        <p:cNvPr id="1" name=""/>
+        <p:cNvGrpSpPr/>
+        <p:nvPr/>
+      </p:nvGrpSpPr>
+      <p:grpSpPr>
+        <a:xfrm>
+          <a:off x="0" y="0"/>
+          <a:ext cx="0" cy="0"/>
+          <a:chOff x="0" y="0"/>
+          <a:chExt cx="0" cy="0"/>
+        </a:xfrm>
+      </p:grpSpPr>
+      <p:sp>
+        <p:nvSpPr>
           <p:cNvPr id="2" name="Title 1"/>
           <p:cNvSpPr>
             <a:spLocks noGrp="1"/>
@@ -7065,25 +7278,7 @@
                 </a:solidFill>
                 <a:latin typeface="Comic Sans MS" panose="030F0702030302020204" pitchFamily="66" charset="0"/>
               </a:rPr>
-              <a:t>VII</a:t>
-            </a:r>
-            <a:r>
-              <a:rPr lang="fr-FR" sz="3200" b="1" dirty="0" smtClean="0">
-                <a:solidFill>
-                  <a:schemeClr val="tx1"/>
-                </a:solidFill>
-                <a:latin typeface="Comic Sans MS" panose="030F0702030302020204" pitchFamily="66" charset="0"/>
-              </a:rPr>
-              <a:t>- </a:t>
-            </a:r>
-            <a:r>
-              <a:rPr lang="fr-FR" sz="3200" b="1" dirty="0" smtClean="0">
-                <a:solidFill>
-                  <a:schemeClr val="tx1"/>
-                </a:solidFill>
-                <a:latin typeface="Comic Sans MS" panose="030F0702030302020204" pitchFamily="66" charset="0"/>
-              </a:rPr>
-              <a:t>Conclusion:</a:t>
+              <a:t>VII- Conclusion:</a:t>
             </a:r>
             <a:endParaRPr lang="en-US" sz="3200" b="1" dirty="0">
               <a:solidFill>
@@ -7124,16 +7319,7 @@
                 </a:solidFill>
                 <a:latin typeface="Comic Sans MS" panose="030F0702030302020204" pitchFamily="66" charset="0"/>
               </a:rPr>
-              <a:t>En co</a:t>
-            </a:r>
-            <a:r>
-              <a:rPr lang="fr-FR" sz="2000" dirty="0" smtClean="0">
-                <a:solidFill>
-                  <a:schemeClr val="tx1"/>
-                </a:solidFill>
-                <a:latin typeface="Comic Sans MS" panose="030F0702030302020204" pitchFamily="66" charset="0"/>
-              </a:rPr>
-              <a:t>nclusion, ce projet Arduino nous a permis de gagner une précise expérience dans la domaine de l’électronique et la programmation.</a:t>
+              <a:t>En conclusion, ce projet Arduino nous a permis de gagner une précise expérience dans la domaine de l’électronique et la programmation.</a:t>
             </a:r>
           </a:p>
           <a:p>
@@ -7828,8 +8014,11 @@
                 </a:solidFill>
                 <a:latin typeface="Comic Sans MS" panose="030F0702030302020204" pitchFamily="66" charset="0"/>
               </a:rPr>
-              <a:t>Ce code est téléversé sur la carte via un câble </a:t>
-            </a:r>
+              <a:t>Ce code est téléversé sur la carte via un câble USB.</a:t>
+            </a:r>
+          </a:p>
+          <a:p>
+            <a:pPr algn="l"/>
             <a:r>
               <a:rPr lang="fr-FR" dirty="0" smtClean="0">
                 <a:solidFill>
@@ -7837,11 +8026,17 @@
                 </a:solidFill>
                 <a:latin typeface="Comic Sans MS" panose="030F0702030302020204" pitchFamily="66" charset="0"/>
               </a:rPr>
-              <a:t>USB.</a:t>
-            </a:r>
-          </a:p>
-          <a:p>
-            <a:pPr algn="l"/>
+              <a:t>Une fois le code injecté dans la mémoire de la carte, celle-ci </a:t>
+            </a:r>
+            <a:r>
+              <a:rPr lang="fr-FR" dirty="0">
+                <a:solidFill>
+                  <a:schemeClr val="tx1"/>
+                </a:solidFill>
+                <a:latin typeface="Comic Sans MS" panose="030F0702030302020204" pitchFamily="66" charset="0"/>
+              </a:rPr>
+              <a:t>peut fonctionner selon le programme écrit</a:t>
+            </a:r>
             <a:r>
               <a:rPr lang="fr-FR" dirty="0" smtClean="0">
                 <a:solidFill>
@@ -7849,41 +8044,8 @@
                 </a:solidFill>
                 <a:latin typeface="Comic Sans MS" panose="030F0702030302020204" pitchFamily="66" charset="0"/>
               </a:rPr>
-              <a:t>Une </a:t>
-            </a:r>
-            <a:r>
-              <a:rPr lang="fr-FR" dirty="0" smtClean="0">
-                <a:solidFill>
-                  <a:schemeClr val="tx1"/>
-                </a:solidFill>
-                <a:latin typeface="Comic Sans MS" panose="030F0702030302020204" pitchFamily="66" charset="0"/>
-              </a:rPr>
-              <a:t>fois le code injecté dans la mémoire de la carte, celle-ci </a:t>
-            </a:r>
-            <a:r>
-              <a:rPr lang="fr-FR" dirty="0">
-                <a:solidFill>
-                  <a:schemeClr val="tx1"/>
-                </a:solidFill>
-                <a:latin typeface="Comic Sans MS" panose="030F0702030302020204" pitchFamily="66" charset="0"/>
-              </a:rPr>
-              <a:t>peut fonctionner selon le programme écrit</a:t>
-            </a:r>
-            <a:r>
-              <a:rPr lang="fr-FR" dirty="0" smtClean="0">
-                <a:solidFill>
-                  <a:schemeClr val="tx1"/>
-                </a:solidFill>
-                <a:latin typeface="Comic Sans MS" panose="030F0702030302020204" pitchFamily="66" charset="0"/>
-              </a:rPr>
               <a:t>.</a:t>
             </a:r>
-            <a:endParaRPr lang="fr-FR" dirty="0" smtClean="0">
-              <a:solidFill>
-                <a:schemeClr val="tx1"/>
-              </a:solidFill>
-              <a:latin typeface="Comic Sans MS" panose="030F0702030302020204" pitchFamily="66" charset="0"/>
-            </a:endParaRPr>
           </a:p>
         </p:txBody>
       </p:sp>
@@ -11275,7 +11437,34 @@
                 </a:solidFill>
                 <a:latin typeface="Comic Sans MS" panose="030F0702030302020204" pitchFamily="66" charset="0"/>
               </a:rPr>
-              <a:t>La télémétrie à ultrasons est comme un radar qui utilise des sons que nous ne pouvons pas entendre pour mesurer la distance jusqu'à un </a:t>
+              <a:t>La télémétrie à ultrasons est comme un radar qui utilise des sons </a:t>
+            </a:r>
+            <a:r>
+              <a:rPr lang="fr-FR" dirty="0" err="1" smtClean="0">
+                <a:solidFill>
+                  <a:schemeClr val="tx1"/>
+                </a:solidFill>
+                <a:latin typeface="Comic Sans MS" panose="030F0702030302020204" pitchFamily="66" charset="0"/>
+              </a:rPr>
+              <a:t>ultrasonors</a:t>
+            </a:r>
+            <a:r>
+              <a:rPr lang="fr-FR" dirty="0" smtClean="0">
+                <a:solidFill>
+                  <a:schemeClr val="tx1"/>
+                </a:solidFill>
+                <a:latin typeface="Comic Sans MS" panose="030F0702030302020204" pitchFamily="66" charset="0"/>
+              </a:rPr>
+              <a:t> </a:t>
+            </a:r>
+            <a:r>
+              <a:rPr lang="fr-FR" dirty="0">
+                <a:solidFill>
+                  <a:schemeClr val="tx1"/>
+                </a:solidFill>
+                <a:latin typeface="Comic Sans MS" panose="030F0702030302020204" pitchFamily="66" charset="0"/>
+              </a:rPr>
+              <a:t>pour mesurer la distance jusqu'à un </a:t>
             </a:r>
             <a:r>
               <a:rPr lang="fr-FR" dirty="0" smtClean="0">
@@ -11326,7 +11515,7 @@
                 </a:solidFill>
                 <a:latin typeface="Californian FB" panose="0207040306080B030204" pitchFamily="18" charset="0"/>
               </a:rPr>
-              <a:t>Distance = le temps * la vitesse du son </a:t>
+              <a:t>Distance = le temps * la vitesse du son / 2</a:t>
             </a:r>
           </a:p>
           <a:p>
